--- a/Craftdemo.pptx
+++ b/Craftdemo.pptx
@@ -18,13 +18,17 @@
     <p:sldId id="272" r:id="rId12"/>
     <p:sldId id="273" r:id="rId13"/>
     <p:sldId id="274" r:id="rId14"/>
-    <p:sldId id="275" r:id="rId15"/>
-    <p:sldId id="277" r:id="rId16"/>
-    <p:sldId id="278" r:id="rId17"/>
-    <p:sldId id="280" r:id="rId18"/>
-    <p:sldId id="283" r:id="rId19"/>
-    <p:sldId id="276" r:id="rId20"/>
-    <p:sldId id="282" r:id="rId21"/>
+    <p:sldId id="284" r:id="rId15"/>
+    <p:sldId id="285" r:id="rId16"/>
+    <p:sldId id="287" r:id="rId17"/>
+    <p:sldId id="286" r:id="rId18"/>
+    <p:sldId id="275" r:id="rId19"/>
+    <p:sldId id="277" r:id="rId20"/>
+    <p:sldId id="278" r:id="rId21"/>
+    <p:sldId id="280" r:id="rId22"/>
+    <p:sldId id="283" r:id="rId23"/>
+    <p:sldId id="276" r:id="rId24"/>
+    <p:sldId id="282" r:id="rId25"/>
   </p:sldIdLst>
   <p:sldSz cx="12192000" cy="6858000"/>
   <p:notesSz cx="6858000" cy="9144000"/>
@@ -8143,87 +8147,45 @@
             <a:pPr algn="ctr"/>
             <a:r>
               <a:rPr lang="en-US" dirty="0" smtClean="0"/>
-              <a:t>Environment and Version used </a:t>
+              <a:t>Graph visualization</a:t>
             </a:r>
             <a:endParaRPr lang="en-US" dirty="0"/>
           </a:p>
         </p:txBody>
       </p:sp>
-      <p:sp>
-        <p:nvSpPr>
-          <p:cNvPr id="3" name="Content Placeholder 2"/>
-          <p:cNvSpPr>
-            <a:spLocks noGrp="1"/>
-          </p:cNvSpPr>
+      <p:pic>
+        <p:nvPicPr>
+          <p:cNvPr id="4" name="Content Placeholder 3" descr="Screen Clipping"/>
+          <p:cNvPicPr>
+            <a:picLocks noGrp="1" noChangeAspect="1"/>
+          </p:cNvPicPr>
           <p:nvPr>
             <p:ph idx="1"/>
           </p:nvPr>
-        </p:nvSpPr>
-        <p:spPr/>
-        <p:txBody>
-          <a:bodyPr/>
-          <a:lstStyle/>
-          <a:p>
-            <a:r>
-              <a:rPr lang="en-US" dirty="0"/>
-              <a:t>pig 0.12.0 </a:t>
-            </a:r>
-          </a:p>
-          <a:p>
-            <a:r>
-              <a:rPr lang="en-US" dirty="0"/>
-              <a:t>java 1.8</a:t>
-            </a:r>
-          </a:p>
-          <a:p>
-            <a:r>
-              <a:rPr lang="en-US" dirty="0"/>
-              <a:t>window </a:t>
-            </a:r>
-          </a:p>
-          <a:p>
-            <a:r>
-              <a:rPr lang="en-US" dirty="0" err="1"/>
-              <a:t>oozie</a:t>
-            </a:r>
-            <a:r>
-              <a:rPr lang="en-US" dirty="0"/>
-              <a:t> 4.1</a:t>
-            </a:r>
-          </a:p>
-          <a:p>
-            <a:r>
-              <a:rPr lang="en-US" dirty="0" err="1"/>
-              <a:t>hadoop</a:t>
-            </a:r>
-            <a:r>
-              <a:rPr lang="en-US" dirty="0"/>
-              <a:t> 2.6</a:t>
-            </a:r>
-          </a:p>
-          <a:p>
-            <a:r>
-              <a:rPr lang="en-US" dirty="0"/>
-              <a:t>hive </a:t>
-            </a:r>
-            <a:r>
-              <a:rPr lang="en-US" dirty="0" smtClean="0"/>
-              <a:t>1.1</a:t>
-            </a:r>
-          </a:p>
-          <a:p>
-            <a:r>
-              <a:rPr lang="en-US" dirty="0" smtClean="0"/>
-              <a:t>Centos </a:t>
-            </a:r>
-            <a:endParaRPr lang="en-US" dirty="0"/>
-          </a:p>
-        </p:txBody>
-      </p:sp>
+        </p:nvPicPr>
+        <p:blipFill>
+          <a:blip r:embed="rId2">
+            <a:extLst>
+              <a:ext uri="{28A0092B-C50C-407E-A947-70E740481C1C}">
+                <a14:useLocalDpi xmlns:a14="http://schemas.microsoft.com/office/drawing/2010/main" val="0"/>
+              </a:ext>
+            </a:extLst>
+          </a:blip>
+          <a:stretch>
+            <a:fillRect/>
+          </a:stretch>
+        </p:blipFill>
+        <p:spPr>
+          <a:xfrm>
+            <a:off x="3274285" y="2133600"/>
+            <a:ext cx="7545255" cy="3778250"/>
+          </a:xfrm>
+        </p:spPr>
+      </p:pic>
     </p:spTree>
     <p:extLst>
       <p:ext uri="{BB962C8B-B14F-4D97-AF65-F5344CB8AC3E}">
-        <p14:creationId xmlns:p14="http://schemas.microsoft.com/office/powerpoint/2010/main" val="135508773"/>
+        <p14:creationId xmlns:p14="http://schemas.microsoft.com/office/powerpoint/2010/main" val="3116914040"/>
       </p:ext>
     </p:extLst>
   </p:cSld>
@@ -8268,192 +8230,45 @@
             <a:pPr algn="ctr"/>
             <a:r>
               <a:rPr lang="en-US" dirty="0" smtClean="0"/>
-              <a:t>Algorithm</a:t>
+              <a:t>API Server</a:t>
             </a:r>
             <a:endParaRPr lang="en-US" dirty="0"/>
           </a:p>
         </p:txBody>
       </p:sp>
-      <p:sp>
-        <p:nvSpPr>
-          <p:cNvPr id="3" name="Content Placeholder 2"/>
-          <p:cNvSpPr>
-            <a:spLocks noGrp="1"/>
-          </p:cNvSpPr>
+      <p:pic>
+        <p:nvPicPr>
+          <p:cNvPr id="4" name="Content Placeholder 3" descr="Screen Clipping"/>
+          <p:cNvPicPr>
+            <a:picLocks noGrp="1" noChangeAspect="1"/>
+          </p:cNvPicPr>
           <p:nvPr>
             <p:ph idx="1"/>
           </p:nvPr>
-        </p:nvSpPr>
-        <p:spPr/>
-        <p:txBody>
-          <a:bodyPr>
-            <a:normAutofit fontScale="92500" lnSpcReduction="20000"/>
-          </a:bodyPr>
-          <a:lstStyle/>
-          <a:p>
-            <a:pPr marL="0" indent="0">
-              <a:buNone/>
-            </a:pPr>
-            <a:r>
-              <a:rPr lang="en-US" dirty="0" err="1"/>
-              <a:t>forech</a:t>
-            </a:r>
-            <a:r>
-              <a:rPr lang="en-US" dirty="0"/>
-              <a:t> product :Products </a:t>
-            </a:r>
-          </a:p>
-          <a:p>
-            <a:pPr marL="0" indent="0">
-              <a:buNone/>
-            </a:pPr>
-            <a:r>
-              <a:rPr lang="en-US" dirty="0"/>
-              <a:t> Create Node for Products   (1)</a:t>
-            </a:r>
-          </a:p>
-          <a:p>
-            <a:pPr marL="0" indent="0">
-              <a:buNone/>
-            </a:pPr>
-            <a:r>
-              <a:rPr lang="en-US" dirty="0" err="1"/>
-              <a:t>foreach</a:t>
-            </a:r>
-            <a:r>
-              <a:rPr lang="en-US" dirty="0"/>
-              <a:t> user : Users </a:t>
-            </a:r>
-          </a:p>
-          <a:p>
-            <a:pPr marL="0" indent="0">
-              <a:buNone/>
-            </a:pPr>
-            <a:r>
-              <a:rPr lang="en-US" dirty="0"/>
-              <a:t>  Create Node for Users      (2</a:t>
-            </a:r>
-            <a:r>
-              <a:rPr lang="en-US" dirty="0" smtClean="0"/>
-              <a:t>)</a:t>
-            </a:r>
-          </a:p>
-          <a:p>
-            <a:pPr marL="0" indent="0">
-              <a:buNone/>
-            </a:pPr>
-            <a:r>
-              <a:rPr lang="en-US" dirty="0" err="1"/>
-              <a:t>foreach</a:t>
-            </a:r>
-            <a:r>
-              <a:rPr lang="en-US" dirty="0"/>
-              <a:t> customer :Customers </a:t>
-            </a:r>
-          </a:p>
-          <a:p>
-            <a:pPr marL="0" indent="0">
-              <a:buNone/>
-            </a:pPr>
-            <a:r>
-              <a:rPr lang="en-US" dirty="0"/>
-              <a:t>  Create customer Node </a:t>
-            </a:r>
-            <a:r>
-              <a:rPr lang="en-US" dirty="0" smtClean="0"/>
-              <a:t>(3)</a:t>
-            </a:r>
-            <a:endParaRPr lang="en-US" dirty="0"/>
-          </a:p>
-          <a:p>
-            <a:pPr marL="0" indent="0">
-              <a:buNone/>
-            </a:pPr>
-            <a:endParaRPr lang="en-US" dirty="0"/>
-          </a:p>
-          <a:p>
-            <a:pPr marL="0" indent="0">
-              <a:buNone/>
-            </a:pPr>
-            <a:r>
-              <a:rPr lang="en-US" dirty="0" err="1"/>
-              <a:t>foreach</a:t>
-            </a:r>
-            <a:r>
-              <a:rPr lang="en-US" dirty="0"/>
-              <a:t> Node :</a:t>
-            </a:r>
-            <a:r>
-              <a:rPr lang="en-US" dirty="0" err="1"/>
-              <a:t>UserProductRelation</a:t>
-            </a:r>
-            <a:r>
-              <a:rPr lang="en-US" dirty="0"/>
-              <a:t> :</a:t>
-            </a:r>
-          </a:p>
-          <a:p>
-            <a:pPr marL="0" indent="0">
-              <a:buNone/>
-            </a:pPr>
-            <a:r>
-              <a:rPr lang="en-US" dirty="0"/>
-              <a:t>  Create edge from User Node to Product Node ( relation </a:t>
-            </a:r>
-            <a:r>
-              <a:rPr lang="en-US" dirty="0" smtClean="0"/>
-              <a:t>HAS_PRODUCT} (4)</a:t>
-            </a:r>
-            <a:endParaRPr lang="en-US" dirty="0"/>
-          </a:p>
-          <a:p>
-            <a:pPr marL="0" indent="0">
-              <a:buNone/>
-            </a:pPr>
-            <a:r>
-              <a:rPr lang="en-US" dirty="0" err="1" smtClean="0"/>
-              <a:t>foreach</a:t>
-            </a:r>
-            <a:r>
-              <a:rPr lang="en-US" dirty="0" smtClean="0"/>
-              <a:t> </a:t>
-            </a:r>
-            <a:r>
-              <a:rPr lang="en-US" dirty="0"/>
-              <a:t>item : </a:t>
-            </a:r>
-            <a:r>
-              <a:rPr lang="en-US" dirty="0" err="1"/>
-              <a:t>CustomerUserIntuitInfo</a:t>
-            </a:r>
-            <a:r>
-              <a:rPr lang="en-US" dirty="0"/>
-              <a:t> </a:t>
-            </a:r>
-          </a:p>
-          <a:p>
-            <a:pPr marL="0" indent="0">
-              <a:buNone/>
-            </a:pPr>
-            <a:r>
-              <a:rPr lang="en-US" dirty="0"/>
-              <a:t>   Create edge from the user to customer Node ( relation HAS_CUSTOMER )</a:t>
-            </a:r>
-            <a:r>
-              <a:rPr lang="en-US" dirty="0" smtClean="0"/>
-              <a:t>(5</a:t>
-            </a:r>
-            <a:r>
-              <a:rPr lang="en-US" dirty="0"/>
-              <a:t>)</a:t>
-            </a:r>
-          </a:p>
-        </p:txBody>
-      </p:sp>
+        </p:nvPicPr>
+        <p:blipFill>
+          <a:blip r:embed="rId2">
+            <a:extLst>
+              <a:ext uri="{28A0092B-C50C-407E-A947-70E740481C1C}">
+                <a14:useLocalDpi xmlns:a14="http://schemas.microsoft.com/office/drawing/2010/main" val="0"/>
+              </a:ext>
+            </a:extLst>
+          </a:blip>
+          <a:stretch>
+            <a:fillRect/>
+          </a:stretch>
+        </p:blipFill>
+        <p:spPr>
+          <a:xfrm>
+            <a:off x="2589213" y="2599351"/>
+            <a:ext cx="8915400" cy="2846748"/>
+          </a:xfrm>
+        </p:spPr>
+      </p:pic>
     </p:spTree>
     <p:extLst>
       <p:ext uri="{BB962C8B-B14F-4D97-AF65-F5344CB8AC3E}">
-        <p14:creationId xmlns:p14="http://schemas.microsoft.com/office/powerpoint/2010/main" val="4233548402"/>
+        <p14:creationId xmlns:p14="http://schemas.microsoft.com/office/powerpoint/2010/main" val="3946273700"/>
       </p:ext>
     </p:extLst>
   </p:cSld>
@@ -8495,51 +8310,48 @@
           <a:bodyPr/>
           <a:lstStyle/>
           <a:p>
+            <a:pPr algn="ctr"/>
             <a:r>
               <a:rPr lang="en-US" dirty="0" smtClean="0"/>
-              <a:t>Capacity Planning</a:t>
+              <a:t>API request</a:t>
             </a:r>
             <a:endParaRPr lang="en-US" dirty="0"/>
           </a:p>
         </p:txBody>
       </p:sp>
-      <p:sp>
-        <p:nvSpPr>
-          <p:cNvPr id="3" name="Content Placeholder 2"/>
-          <p:cNvSpPr>
-            <a:spLocks noGrp="1"/>
-          </p:cNvSpPr>
+      <p:pic>
+        <p:nvPicPr>
+          <p:cNvPr id="4" name="Content Placeholder 3" descr="Screen Clipping"/>
+          <p:cNvPicPr>
+            <a:picLocks noGrp="1" noChangeAspect="1"/>
+          </p:cNvPicPr>
           <p:nvPr>
             <p:ph idx="1"/>
           </p:nvPr>
-        </p:nvSpPr>
-        <p:spPr/>
-        <p:txBody>
-          <a:bodyPr/>
-          <a:lstStyle/>
-          <a:p>
-            <a:r>
-              <a:rPr lang="en-US" dirty="0" smtClean="0"/>
-              <a:t>Memory estimate</a:t>
-            </a:r>
-          </a:p>
-          <a:p>
-            <a:r>
-              <a:rPr lang="en-US" dirty="0" err="1" smtClean="0"/>
-              <a:t>Qps</a:t>
-            </a:r>
-            <a:r>
-              <a:rPr lang="en-US" dirty="0" smtClean="0"/>
-              <a:t> </a:t>
-            </a:r>
-            <a:endParaRPr lang="en-US" dirty="0"/>
-          </a:p>
-        </p:txBody>
-      </p:sp>
+        </p:nvPicPr>
+        <p:blipFill>
+          <a:blip r:embed="rId2">
+            <a:extLst>
+              <a:ext uri="{28A0092B-C50C-407E-A947-70E740481C1C}">
+                <a14:useLocalDpi xmlns:a14="http://schemas.microsoft.com/office/drawing/2010/main" val="0"/>
+              </a:ext>
+            </a:extLst>
+          </a:blip>
+          <a:stretch>
+            <a:fillRect/>
+          </a:stretch>
+        </p:blipFill>
+        <p:spPr>
+          <a:xfrm>
+            <a:off x="2589213" y="2455008"/>
+            <a:ext cx="8915400" cy="3135433"/>
+          </a:xfrm>
+        </p:spPr>
+      </p:pic>
     </p:spTree>
     <p:extLst>
       <p:ext uri="{BB962C8B-B14F-4D97-AF65-F5344CB8AC3E}">
-        <p14:creationId xmlns:p14="http://schemas.microsoft.com/office/powerpoint/2010/main" val="2524916304"/>
+        <p14:creationId xmlns:p14="http://schemas.microsoft.com/office/powerpoint/2010/main" val="1766085599"/>
       </p:ext>
     </p:extLst>
   </p:cSld>
@@ -8584,57 +8396,45 @@
             <a:pPr algn="ctr"/>
             <a:r>
               <a:rPr lang="en-US" dirty="0" smtClean="0"/>
-              <a:t>TODO</a:t>
+              <a:t>API response</a:t>
             </a:r>
             <a:endParaRPr lang="en-US" dirty="0"/>
           </a:p>
         </p:txBody>
       </p:sp>
-      <p:sp>
-        <p:nvSpPr>
-          <p:cNvPr id="3" name="Content Placeholder 2"/>
-          <p:cNvSpPr>
-            <a:spLocks noGrp="1"/>
-          </p:cNvSpPr>
+      <p:pic>
+        <p:nvPicPr>
+          <p:cNvPr id="4" name="Content Placeholder 3" descr="Screen Clipping"/>
+          <p:cNvPicPr>
+            <a:picLocks noGrp="1" noChangeAspect="1"/>
+          </p:cNvPicPr>
           <p:nvPr>
             <p:ph idx="1"/>
           </p:nvPr>
-        </p:nvSpPr>
-        <p:spPr/>
-        <p:txBody>
-          <a:bodyPr/>
-          <a:lstStyle/>
-          <a:p>
-            <a:r>
-              <a:rPr lang="en-US" dirty="0" smtClean="0"/>
-              <a:t>Feeder  ( Partial/Full update)</a:t>
-            </a:r>
-          </a:p>
-          <a:p>
-            <a:r>
-              <a:rPr lang="en-US" dirty="0" smtClean="0"/>
-              <a:t>Caching</a:t>
-            </a:r>
-          </a:p>
-          <a:p>
-            <a:r>
-              <a:rPr lang="en-US" dirty="0" smtClean="0"/>
-              <a:t>Load balancer</a:t>
-            </a:r>
-          </a:p>
-          <a:p>
-            <a:r>
-              <a:rPr lang="en-US" smtClean="0"/>
-              <a:t>UI</a:t>
-            </a:r>
-            <a:endParaRPr lang="en-US" dirty="0" smtClean="0"/>
-          </a:p>
-        </p:txBody>
-      </p:sp>
+        </p:nvPicPr>
+        <p:blipFill>
+          <a:blip r:embed="rId2">
+            <a:extLst>
+              <a:ext uri="{28A0092B-C50C-407E-A947-70E740481C1C}">
+                <a14:useLocalDpi xmlns:a14="http://schemas.microsoft.com/office/drawing/2010/main" val="0"/>
+              </a:ext>
+            </a:extLst>
+          </a:blip>
+          <a:stretch>
+            <a:fillRect/>
+          </a:stretch>
+        </p:blipFill>
+        <p:spPr>
+          <a:xfrm>
+            <a:off x="2870276" y="2133600"/>
+            <a:ext cx="8353273" cy="3778250"/>
+          </a:xfrm>
+        </p:spPr>
+      </p:pic>
     </p:spTree>
     <p:extLst>
       <p:ext uri="{BB962C8B-B14F-4D97-AF65-F5344CB8AC3E}">
-        <p14:creationId xmlns:p14="http://schemas.microsoft.com/office/powerpoint/2010/main" val="3058664834"/>
+        <p14:creationId xmlns:p14="http://schemas.microsoft.com/office/powerpoint/2010/main" val="2998373292"/>
       </p:ext>
     </p:extLst>
   </p:cSld>
@@ -8678,12 +8478,8 @@
           <a:p>
             <a:pPr algn="ctr"/>
             <a:r>
-              <a:rPr lang="en-US" dirty="0" err="1" smtClean="0"/>
-              <a:t>Git</a:t>
-            </a:r>
-            <a:r>
               <a:rPr lang="en-US" dirty="0" smtClean="0"/>
-              <a:t>  location</a:t>
+              <a:t>Environment and Version used </a:t>
             </a:r>
             <a:endParaRPr lang="en-US" dirty="0"/>
           </a:p>
@@ -8705,50 +8501,57 @@
           <a:lstStyle/>
           <a:p>
             <a:r>
+              <a:rPr lang="en-US" dirty="0"/>
+              <a:t>pig 0.12.0 </a:t>
+            </a:r>
+          </a:p>
+          <a:p>
+            <a:r>
+              <a:rPr lang="en-US" dirty="0"/>
+              <a:t>java 1.8</a:t>
+            </a:r>
+          </a:p>
+          <a:p>
+            <a:r>
+              <a:rPr lang="en-US" dirty="0"/>
+              <a:t>window </a:t>
+            </a:r>
+          </a:p>
+          <a:p>
+            <a:r>
+              <a:rPr lang="en-US" dirty="0" err="1"/>
+              <a:t>oozie</a:t>
+            </a:r>
+            <a:r>
+              <a:rPr lang="en-US" dirty="0"/>
+              <a:t> 4.1</a:t>
+            </a:r>
+          </a:p>
+          <a:p>
+            <a:r>
+              <a:rPr lang="en-US" dirty="0" err="1"/>
+              <a:t>hadoop</a:t>
+            </a:r>
+            <a:r>
+              <a:rPr lang="en-US" dirty="0"/>
+              <a:t> 2.6</a:t>
+            </a:r>
+          </a:p>
+          <a:p>
+            <a:r>
+              <a:rPr lang="en-US" dirty="0"/>
+              <a:t>hive </a:t>
+            </a:r>
+            <a:r>
               <a:rPr lang="en-US" dirty="0" smtClean="0"/>
-              <a:t>Offline</a:t>
-            </a:r>
-          </a:p>
-          <a:p>
-            <a:r>
-              <a:rPr lang="en-US" dirty="0">
-                <a:hlinkClick r:id="rId2"/>
-              </a:rPr>
-              <a:t>https://</a:t>
-            </a:r>
-            <a:r>
-              <a:rPr lang="en-US" dirty="0" smtClean="0">
-                <a:hlinkClick r:id="rId2"/>
-              </a:rPr>
-              <a:t>github.com/bhaskarrana/craftdemo-offline</a:t>
-            </a:r>
-            <a:endParaRPr lang="en-US" dirty="0" smtClean="0"/>
+              <a:t>1.1</a:t>
+            </a:r>
           </a:p>
           <a:p>
             <a:r>
               <a:rPr lang="en-US" dirty="0" smtClean="0"/>
-              <a:t>Online</a:t>
-            </a:r>
-          </a:p>
-          <a:p>
-            <a:r>
-              <a:rPr lang="en-US" dirty="0">
-                <a:hlinkClick r:id="rId3"/>
-              </a:rPr>
-              <a:t>https://</a:t>
-            </a:r>
-            <a:r>
-              <a:rPr lang="en-US" dirty="0" smtClean="0">
-                <a:hlinkClick r:id="rId3"/>
-              </a:rPr>
-              <a:t>github.com/bhaskarrana/craftdemo-online</a:t>
-            </a:r>
-            <a:endParaRPr lang="en-US" dirty="0" smtClean="0"/>
-          </a:p>
-          <a:p>
-            <a:pPr marL="0" indent="0">
-              <a:buNone/>
-            </a:pPr>
+              <a:t>Centos </a:t>
+            </a:r>
             <a:endParaRPr lang="en-US" dirty="0"/>
           </a:p>
         </p:txBody>
@@ -8756,7 +8559,7 @@
     </p:spTree>
     <p:extLst>
       <p:ext uri="{BB962C8B-B14F-4D97-AF65-F5344CB8AC3E}">
-        <p14:creationId xmlns:p14="http://schemas.microsoft.com/office/powerpoint/2010/main" val="838197147"/>
+        <p14:creationId xmlns:p14="http://schemas.microsoft.com/office/powerpoint/2010/main" val="135508773"/>
       </p:ext>
     </p:extLst>
   </p:cSld>
@@ -8801,7 +8604,7 @@
             <a:pPr algn="ctr"/>
             <a:r>
               <a:rPr lang="en-US" dirty="0" smtClean="0"/>
-              <a:t>References </a:t>
+              <a:t>Algorithm</a:t>
             </a:r>
             <a:endParaRPr lang="en-US" dirty="0"/>
           </a:p>
@@ -8819,97 +8622,166 @@
         </p:nvSpPr>
         <p:spPr/>
         <p:txBody>
-          <a:bodyPr/>
-          <a:lstStyle/>
-          <a:p>
+          <a:bodyPr>
+            <a:normAutofit fontScale="92500" lnSpcReduction="20000"/>
+          </a:bodyPr>
+          <a:lstStyle/>
+          <a:p>
+            <a:pPr marL="0" indent="0">
+              <a:buNone/>
+            </a:pPr>
+            <a:r>
+              <a:rPr lang="en-US" dirty="0" err="1"/>
+              <a:t>forech</a:t>
+            </a:r>
             <a:r>
               <a:rPr lang="en-US" dirty="0"/>
-              <a:t>https://</a:t>
+              <a:t> product :Products </a:t>
+            </a:r>
+          </a:p>
+          <a:p>
+            <a:pPr marL="0" indent="0">
+              <a:buNone/>
+            </a:pPr>
+            <a:r>
+              <a:rPr lang="en-US" dirty="0"/>
+              <a:t> Create Node for Products   (1)</a:t>
+            </a:r>
+          </a:p>
+          <a:p>
+            <a:pPr marL="0" indent="0">
+              <a:buNone/>
+            </a:pPr>
+            <a:r>
+              <a:rPr lang="en-US" dirty="0" err="1"/>
+              <a:t>foreach</a:t>
+            </a:r>
+            <a:r>
+              <a:rPr lang="en-US" dirty="0"/>
+              <a:t> user : Users </a:t>
+            </a:r>
+          </a:p>
+          <a:p>
+            <a:pPr marL="0" indent="0">
+              <a:buNone/>
+            </a:pPr>
+            <a:r>
+              <a:rPr lang="en-US" dirty="0"/>
+              <a:t>  Create Node for Users      (2</a:t>
             </a:r>
             <a:r>
               <a:rPr lang="en-US" dirty="0" smtClean="0"/>
-              <a:t>neo4j.com/download</a:t>
+              <a:t>)</a:t>
+            </a:r>
+          </a:p>
+          <a:p>
+            <a:pPr marL="0" indent="0">
+              <a:buNone/>
+            </a:pPr>
+            <a:r>
+              <a:rPr lang="en-US" dirty="0" err="1"/>
+              <a:t>foreach</a:t>
+            </a:r>
+            <a:r>
+              <a:rPr lang="en-US" dirty="0"/>
+              <a:t> customer :Customers </a:t>
+            </a:r>
+          </a:p>
+          <a:p>
+            <a:pPr marL="0" indent="0">
+              <a:buNone/>
+            </a:pPr>
+            <a:r>
+              <a:rPr lang="en-US" dirty="0"/>
+              <a:t>  Create customer Node </a:t>
+            </a:r>
+            <a:r>
+              <a:rPr lang="en-US" dirty="0" smtClean="0"/>
+              <a:t>(3)</a:t>
             </a:r>
             <a:endParaRPr lang="en-US" dirty="0"/>
           </a:p>
           <a:p>
+            <a:pPr marL="0" indent="0">
+              <a:buNone/>
+            </a:pPr>
+            <a:endParaRPr lang="en-US" dirty="0"/>
+          </a:p>
+          <a:p>
+            <a:pPr marL="0" indent="0">
+              <a:buNone/>
+            </a:pPr>
+            <a:r>
+              <a:rPr lang="en-US" dirty="0" err="1"/>
+              <a:t>foreach</a:t>
+            </a:r>
+            <a:r>
+              <a:rPr lang="en-US" dirty="0"/>
+              <a:t> Node :</a:t>
+            </a:r>
+            <a:r>
+              <a:rPr lang="en-US" dirty="0" err="1"/>
+              <a:t>UserProductRelation</a:t>
+            </a:r>
+            <a:r>
+              <a:rPr lang="en-US" dirty="0"/>
+              <a:t> :</a:t>
+            </a:r>
+          </a:p>
+          <a:p>
+            <a:pPr marL="0" indent="0">
+              <a:buNone/>
+            </a:pPr>
+            <a:r>
+              <a:rPr lang="en-US" dirty="0"/>
+              <a:t>  Create edge from User Node to Product Node ( relation </a:t>
+            </a:r>
             <a:r>
               <a:rPr lang="en-US" dirty="0" smtClean="0"/>
-              <a:t>https</a:t>
+              <a:t>HAS_PRODUCT} (4)</a:t>
+            </a:r>
+            <a:endParaRPr lang="en-US" dirty="0"/>
+          </a:p>
+          <a:p>
+            <a:pPr marL="0" indent="0">
+              <a:buNone/>
+            </a:pPr>
+            <a:r>
+              <a:rPr lang="en-US" dirty="0" err="1" smtClean="0"/>
+              <a:t>foreach</a:t>
+            </a:r>
+            <a:r>
+              <a:rPr lang="en-US" dirty="0" smtClean="0"/>
+              <a:t> </a:t>
             </a:r>
             <a:r>
               <a:rPr lang="en-US" dirty="0"/>
-              <a:t>://en.wikipedia.org/wiki/Graph_database</a:t>
-            </a:r>
-          </a:p>
-          <a:p>
+              <a:t>item : </a:t>
+            </a:r>
+            <a:r>
+              <a:rPr lang="en-US" dirty="0" err="1"/>
+              <a:t>CustomerUserIntuitInfo</a:t>
+            </a:r>
+            <a:r>
+              <a:rPr lang="en-US" dirty="0"/>
+              <a:t> </a:t>
+            </a:r>
+          </a:p>
+          <a:p>
+            <a:pPr marL="0" indent="0">
+              <a:buNone/>
+            </a:pPr>
+            <a:r>
+              <a:rPr lang="en-US" dirty="0"/>
+              <a:t>   Create edge from the user to customer Node ( relation HAS_CUSTOMER )</a:t>
+            </a:r>
             <a:r>
               <a:rPr lang="en-US" dirty="0" smtClean="0"/>
-              <a:t>https</a:t>
+              <a:t>(5</a:t>
             </a:r>
             <a:r>
               <a:rPr lang="en-US" dirty="0"/>
-              <a:t>://pig.apache.org/</a:t>
-            </a:r>
-          </a:p>
-          <a:p>
-            <a:r>
-              <a:rPr lang="en-US" dirty="0" smtClean="0"/>
-              <a:t>http</a:t>
-            </a:r>
-            <a:r>
-              <a:rPr lang="en-US" dirty="0"/>
-              <a:t>://oozie.apache.org/</a:t>
-            </a:r>
-          </a:p>
-          <a:p>
-            <a:r>
-              <a:rPr lang="en-US" dirty="0" smtClean="0"/>
-              <a:t>https</a:t>
-            </a:r>
-            <a:r>
-              <a:rPr lang="en-US" dirty="0"/>
-              <a:t>://neo4j.com/graph-databases-book/</a:t>
-            </a:r>
-          </a:p>
-          <a:p>
-            <a:r>
-              <a:rPr lang="en-US" dirty="0" smtClean="0"/>
-              <a:t>https</a:t>
-            </a:r>
-            <a:r>
-              <a:rPr lang="en-US" dirty="0"/>
-              <a:t>://github.com/neo4j-examples</a:t>
-            </a:r>
-          </a:p>
-          <a:p>
-            <a:r>
-              <a:rPr lang="en-US" dirty="0" smtClean="0"/>
-              <a:t>https</a:t>
-            </a:r>
-            <a:r>
-              <a:rPr lang="en-US" dirty="0"/>
-              <a:t>://google.com</a:t>
-            </a:r>
-          </a:p>
-          <a:p>
-            <a:r>
-              <a:rPr lang="en-US" dirty="0" smtClean="0"/>
-              <a:t>https</a:t>
-            </a:r>
-            <a:r>
-              <a:rPr lang="en-US" dirty="0"/>
-              <a:t>://udemy.com</a:t>
-            </a:r>
-          </a:p>
-          <a:p>
-            <a:r>
-              <a:rPr lang="en-US" dirty="0" smtClean="0"/>
-              <a:t>https</a:t>
-            </a:r>
-            <a:r>
-              <a:rPr lang="en-US" dirty="0"/>
-              <a:t>://youtube.com</a:t>
+              <a:t>)</a:t>
             </a:r>
           </a:p>
         </p:txBody>
@@ -8917,7 +8789,7 @@
     </p:spTree>
     <p:extLst>
       <p:ext uri="{BB962C8B-B14F-4D97-AF65-F5344CB8AC3E}">
-        <p14:creationId xmlns:p14="http://schemas.microsoft.com/office/powerpoint/2010/main" val="2086924029"/>
+        <p14:creationId xmlns:p14="http://schemas.microsoft.com/office/powerpoint/2010/main" val="4233548402"/>
       </p:ext>
     </p:extLst>
   </p:cSld>
@@ -9069,6 +8941,469 @@
 </file>
 
 <file path=ppt/slides/slide20.xml><?xml version="1.0" encoding="utf-8"?>
+<p:sld xmlns:a="http://schemas.openxmlformats.org/drawingml/2006/main" xmlns:r="http://schemas.openxmlformats.org/officeDocument/2006/relationships" xmlns:p="http://schemas.openxmlformats.org/presentationml/2006/main">
+  <p:cSld>
+    <p:spTree>
+      <p:nvGrpSpPr>
+        <p:cNvPr id="1" name=""/>
+        <p:cNvGrpSpPr/>
+        <p:nvPr/>
+      </p:nvGrpSpPr>
+      <p:grpSpPr>
+        <a:xfrm>
+          <a:off x="0" y="0"/>
+          <a:ext cx="0" cy="0"/>
+          <a:chOff x="0" y="0"/>
+          <a:chExt cx="0" cy="0"/>
+        </a:xfrm>
+      </p:grpSpPr>
+      <p:sp>
+        <p:nvSpPr>
+          <p:cNvPr id="2" name="Title 1"/>
+          <p:cNvSpPr>
+            <a:spLocks noGrp="1"/>
+          </p:cNvSpPr>
+          <p:nvPr>
+            <p:ph type="title"/>
+          </p:nvPr>
+        </p:nvSpPr>
+        <p:spPr/>
+        <p:txBody>
+          <a:bodyPr/>
+          <a:lstStyle/>
+          <a:p>
+            <a:r>
+              <a:rPr lang="en-US" dirty="0" smtClean="0"/>
+              <a:t>Capacity Planning</a:t>
+            </a:r>
+            <a:endParaRPr lang="en-US" dirty="0"/>
+          </a:p>
+        </p:txBody>
+      </p:sp>
+      <p:sp>
+        <p:nvSpPr>
+          <p:cNvPr id="3" name="Content Placeholder 2"/>
+          <p:cNvSpPr>
+            <a:spLocks noGrp="1"/>
+          </p:cNvSpPr>
+          <p:nvPr>
+            <p:ph idx="1"/>
+          </p:nvPr>
+        </p:nvSpPr>
+        <p:spPr/>
+        <p:txBody>
+          <a:bodyPr/>
+          <a:lstStyle/>
+          <a:p>
+            <a:r>
+              <a:rPr lang="en-US" dirty="0" smtClean="0"/>
+              <a:t>Memory estimate</a:t>
+            </a:r>
+          </a:p>
+          <a:p>
+            <a:r>
+              <a:rPr lang="en-US" dirty="0" err="1" smtClean="0"/>
+              <a:t>Qps</a:t>
+            </a:r>
+            <a:r>
+              <a:rPr lang="en-US" dirty="0" smtClean="0"/>
+              <a:t> </a:t>
+            </a:r>
+            <a:endParaRPr lang="en-US" dirty="0"/>
+          </a:p>
+        </p:txBody>
+      </p:sp>
+    </p:spTree>
+    <p:extLst>
+      <p:ext uri="{BB962C8B-B14F-4D97-AF65-F5344CB8AC3E}">
+        <p14:creationId xmlns:p14="http://schemas.microsoft.com/office/powerpoint/2010/main" val="2524916304"/>
+      </p:ext>
+    </p:extLst>
+  </p:cSld>
+  <p:clrMapOvr>
+    <a:masterClrMapping/>
+  </p:clrMapOvr>
+</p:sld>
+</file>
+
+<file path=ppt/slides/slide21.xml><?xml version="1.0" encoding="utf-8"?>
+<p:sld xmlns:a="http://schemas.openxmlformats.org/drawingml/2006/main" xmlns:r="http://schemas.openxmlformats.org/officeDocument/2006/relationships" xmlns:p="http://schemas.openxmlformats.org/presentationml/2006/main">
+  <p:cSld>
+    <p:spTree>
+      <p:nvGrpSpPr>
+        <p:cNvPr id="1" name=""/>
+        <p:cNvGrpSpPr/>
+        <p:nvPr/>
+      </p:nvGrpSpPr>
+      <p:grpSpPr>
+        <a:xfrm>
+          <a:off x="0" y="0"/>
+          <a:ext cx="0" cy="0"/>
+          <a:chOff x="0" y="0"/>
+          <a:chExt cx="0" cy="0"/>
+        </a:xfrm>
+      </p:grpSpPr>
+      <p:sp>
+        <p:nvSpPr>
+          <p:cNvPr id="2" name="Title 1"/>
+          <p:cNvSpPr>
+            <a:spLocks noGrp="1"/>
+          </p:cNvSpPr>
+          <p:nvPr>
+            <p:ph type="title"/>
+          </p:nvPr>
+        </p:nvSpPr>
+        <p:spPr/>
+        <p:txBody>
+          <a:bodyPr/>
+          <a:lstStyle/>
+          <a:p>
+            <a:pPr algn="ctr"/>
+            <a:r>
+              <a:rPr lang="en-US" dirty="0" smtClean="0"/>
+              <a:t>TODO</a:t>
+            </a:r>
+            <a:endParaRPr lang="en-US" dirty="0"/>
+          </a:p>
+        </p:txBody>
+      </p:sp>
+      <p:sp>
+        <p:nvSpPr>
+          <p:cNvPr id="3" name="Content Placeholder 2"/>
+          <p:cNvSpPr>
+            <a:spLocks noGrp="1"/>
+          </p:cNvSpPr>
+          <p:nvPr>
+            <p:ph idx="1"/>
+          </p:nvPr>
+        </p:nvSpPr>
+        <p:spPr/>
+        <p:txBody>
+          <a:bodyPr/>
+          <a:lstStyle/>
+          <a:p>
+            <a:r>
+              <a:rPr lang="en-US" dirty="0" smtClean="0"/>
+              <a:t>Feeder  ( Partial/Full update)</a:t>
+            </a:r>
+          </a:p>
+          <a:p>
+            <a:r>
+              <a:rPr lang="en-US" dirty="0" smtClean="0"/>
+              <a:t>Caching</a:t>
+            </a:r>
+          </a:p>
+          <a:p>
+            <a:r>
+              <a:rPr lang="en-US" dirty="0" smtClean="0"/>
+              <a:t>Load balancer</a:t>
+            </a:r>
+          </a:p>
+          <a:p>
+            <a:r>
+              <a:rPr lang="en-US" dirty="0" smtClean="0"/>
+              <a:t>UI</a:t>
+            </a:r>
+          </a:p>
+        </p:txBody>
+      </p:sp>
+    </p:spTree>
+    <p:extLst>
+      <p:ext uri="{BB962C8B-B14F-4D97-AF65-F5344CB8AC3E}">
+        <p14:creationId xmlns:p14="http://schemas.microsoft.com/office/powerpoint/2010/main" val="3058664834"/>
+      </p:ext>
+    </p:extLst>
+  </p:cSld>
+  <p:clrMapOvr>
+    <a:masterClrMapping/>
+  </p:clrMapOvr>
+</p:sld>
+</file>
+
+<file path=ppt/slides/slide22.xml><?xml version="1.0" encoding="utf-8"?>
+<p:sld xmlns:a="http://schemas.openxmlformats.org/drawingml/2006/main" xmlns:r="http://schemas.openxmlformats.org/officeDocument/2006/relationships" xmlns:p="http://schemas.openxmlformats.org/presentationml/2006/main">
+  <p:cSld>
+    <p:spTree>
+      <p:nvGrpSpPr>
+        <p:cNvPr id="1" name=""/>
+        <p:cNvGrpSpPr/>
+        <p:nvPr/>
+      </p:nvGrpSpPr>
+      <p:grpSpPr>
+        <a:xfrm>
+          <a:off x="0" y="0"/>
+          <a:ext cx="0" cy="0"/>
+          <a:chOff x="0" y="0"/>
+          <a:chExt cx="0" cy="0"/>
+        </a:xfrm>
+      </p:grpSpPr>
+      <p:sp>
+        <p:nvSpPr>
+          <p:cNvPr id="2" name="Title 1"/>
+          <p:cNvSpPr>
+            <a:spLocks noGrp="1"/>
+          </p:cNvSpPr>
+          <p:nvPr>
+            <p:ph type="title"/>
+          </p:nvPr>
+        </p:nvSpPr>
+        <p:spPr/>
+        <p:txBody>
+          <a:bodyPr/>
+          <a:lstStyle/>
+          <a:p>
+            <a:pPr algn="ctr"/>
+            <a:r>
+              <a:rPr lang="en-US" dirty="0" err="1" smtClean="0"/>
+              <a:t>Git</a:t>
+            </a:r>
+            <a:r>
+              <a:rPr lang="en-US" dirty="0" smtClean="0"/>
+              <a:t>  location</a:t>
+            </a:r>
+            <a:endParaRPr lang="en-US" dirty="0"/>
+          </a:p>
+        </p:txBody>
+      </p:sp>
+      <p:sp>
+        <p:nvSpPr>
+          <p:cNvPr id="3" name="Content Placeholder 2"/>
+          <p:cNvSpPr>
+            <a:spLocks noGrp="1"/>
+          </p:cNvSpPr>
+          <p:nvPr>
+            <p:ph idx="1"/>
+          </p:nvPr>
+        </p:nvSpPr>
+        <p:spPr/>
+        <p:txBody>
+          <a:bodyPr/>
+          <a:lstStyle/>
+          <a:p>
+            <a:r>
+              <a:rPr lang="en-US" dirty="0" smtClean="0"/>
+              <a:t>Offline</a:t>
+            </a:r>
+          </a:p>
+          <a:p>
+            <a:r>
+              <a:rPr lang="en-US" dirty="0">
+                <a:hlinkClick r:id="rId2"/>
+              </a:rPr>
+              <a:t>https://</a:t>
+            </a:r>
+            <a:r>
+              <a:rPr lang="en-US" dirty="0" smtClean="0">
+                <a:hlinkClick r:id="rId2"/>
+              </a:rPr>
+              <a:t>github.com/bhaskarrana/craftdemo-offline</a:t>
+            </a:r>
+            <a:endParaRPr lang="en-US" dirty="0" smtClean="0"/>
+          </a:p>
+          <a:p>
+            <a:r>
+              <a:rPr lang="en-US" dirty="0" smtClean="0"/>
+              <a:t>Online</a:t>
+            </a:r>
+          </a:p>
+          <a:p>
+            <a:r>
+              <a:rPr lang="en-US" dirty="0">
+                <a:hlinkClick r:id="rId3"/>
+              </a:rPr>
+              <a:t>https://</a:t>
+            </a:r>
+            <a:r>
+              <a:rPr lang="en-US" dirty="0" smtClean="0">
+                <a:hlinkClick r:id="rId3"/>
+              </a:rPr>
+              <a:t>github.com/bhaskarrana/craftdemo-online</a:t>
+            </a:r>
+            <a:endParaRPr lang="en-US" dirty="0" smtClean="0"/>
+          </a:p>
+          <a:p>
+            <a:pPr marL="0" indent="0">
+              <a:buNone/>
+            </a:pPr>
+            <a:endParaRPr lang="en-US" dirty="0"/>
+          </a:p>
+        </p:txBody>
+      </p:sp>
+    </p:spTree>
+    <p:extLst>
+      <p:ext uri="{BB962C8B-B14F-4D97-AF65-F5344CB8AC3E}">
+        <p14:creationId xmlns:p14="http://schemas.microsoft.com/office/powerpoint/2010/main" val="838197147"/>
+      </p:ext>
+    </p:extLst>
+  </p:cSld>
+  <p:clrMapOvr>
+    <a:masterClrMapping/>
+  </p:clrMapOvr>
+</p:sld>
+</file>
+
+<file path=ppt/slides/slide23.xml><?xml version="1.0" encoding="utf-8"?>
+<p:sld xmlns:a="http://schemas.openxmlformats.org/drawingml/2006/main" xmlns:r="http://schemas.openxmlformats.org/officeDocument/2006/relationships" xmlns:p="http://schemas.openxmlformats.org/presentationml/2006/main">
+  <p:cSld>
+    <p:spTree>
+      <p:nvGrpSpPr>
+        <p:cNvPr id="1" name=""/>
+        <p:cNvGrpSpPr/>
+        <p:nvPr/>
+      </p:nvGrpSpPr>
+      <p:grpSpPr>
+        <a:xfrm>
+          <a:off x="0" y="0"/>
+          <a:ext cx="0" cy="0"/>
+          <a:chOff x="0" y="0"/>
+          <a:chExt cx="0" cy="0"/>
+        </a:xfrm>
+      </p:grpSpPr>
+      <p:sp>
+        <p:nvSpPr>
+          <p:cNvPr id="2" name="Title 1"/>
+          <p:cNvSpPr>
+            <a:spLocks noGrp="1"/>
+          </p:cNvSpPr>
+          <p:nvPr>
+            <p:ph type="title"/>
+          </p:nvPr>
+        </p:nvSpPr>
+        <p:spPr/>
+        <p:txBody>
+          <a:bodyPr/>
+          <a:lstStyle/>
+          <a:p>
+            <a:pPr algn="ctr"/>
+            <a:r>
+              <a:rPr lang="en-US" dirty="0" smtClean="0"/>
+              <a:t>References </a:t>
+            </a:r>
+            <a:endParaRPr lang="en-US" dirty="0"/>
+          </a:p>
+        </p:txBody>
+      </p:sp>
+      <p:sp>
+        <p:nvSpPr>
+          <p:cNvPr id="3" name="Content Placeholder 2"/>
+          <p:cNvSpPr>
+            <a:spLocks noGrp="1"/>
+          </p:cNvSpPr>
+          <p:nvPr>
+            <p:ph idx="1"/>
+          </p:nvPr>
+        </p:nvSpPr>
+        <p:spPr/>
+        <p:txBody>
+          <a:bodyPr/>
+          <a:lstStyle/>
+          <a:p>
+            <a:r>
+              <a:rPr lang="en-US" dirty="0"/>
+              <a:t>https://</a:t>
+            </a:r>
+            <a:r>
+              <a:rPr lang="en-US" dirty="0" smtClean="0"/>
+              <a:t>neo4j.com/download</a:t>
+            </a:r>
+            <a:endParaRPr lang="en-US" dirty="0"/>
+          </a:p>
+          <a:p>
+            <a:r>
+              <a:rPr lang="en-US" dirty="0" smtClean="0"/>
+              <a:t>https</a:t>
+            </a:r>
+            <a:r>
+              <a:rPr lang="en-US" dirty="0"/>
+              <a:t>://en.wikipedia.org/wiki/Graph_database</a:t>
+            </a:r>
+          </a:p>
+          <a:p>
+            <a:r>
+              <a:rPr lang="en-US" dirty="0" smtClean="0"/>
+              <a:t>https</a:t>
+            </a:r>
+            <a:r>
+              <a:rPr lang="en-US" dirty="0"/>
+              <a:t>://pig.apache.org/</a:t>
+            </a:r>
+          </a:p>
+          <a:p>
+            <a:r>
+              <a:rPr lang="en-US" dirty="0" smtClean="0"/>
+              <a:t>http</a:t>
+            </a:r>
+            <a:r>
+              <a:rPr lang="en-US" dirty="0"/>
+              <a:t>://oozie.apache.org/</a:t>
+            </a:r>
+          </a:p>
+          <a:p>
+            <a:r>
+              <a:rPr lang="en-US" dirty="0" smtClean="0"/>
+              <a:t>https</a:t>
+            </a:r>
+            <a:r>
+              <a:rPr lang="en-US" dirty="0"/>
+              <a:t>://neo4j.com/graph-databases-book/</a:t>
+            </a:r>
+          </a:p>
+          <a:p>
+            <a:r>
+              <a:rPr lang="en-US" dirty="0" smtClean="0"/>
+              <a:t>https</a:t>
+            </a:r>
+            <a:r>
+              <a:rPr lang="en-US" dirty="0"/>
+              <a:t>://github.com/neo4j-examples</a:t>
+            </a:r>
+          </a:p>
+          <a:p>
+            <a:r>
+              <a:rPr lang="en-US" dirty="0" smtClean="0"/>
+              <a:t>https</a:t>
+            </a:r>
+            <a:r>
+              <a:rPr lang="en-US" dirty="0"/>
+              <a:t>://google.com</a:t>
+            </a:r>
+          </a:p>
+          <a:p>
+            <a:r>
+              <a:rPr lang="en-US" dirty="0" smtClean="0"/>
+              <a:t>https</a:t>
+            </a:r>
+            <a:r>
+              <a:rPr lang="en-US" dirty="0"/>
+              <a:t>://udemy.com</a:t>
+            </a:r>
+          </a:p>
+          <a:p>
+            <a:r>
+              <a:rPr lang="en-US" dirty="0" smtClean="0"/>
+              <a:t>https</a:t>
+            </a:r>
+            <a:r>
+              <a:rPr lang="en-US" dirty="0"/>
+              <a:t>://youtube.com</a:t>
+            </a:r>
+          </a:p>
+        </p:txBody>
+      </p:sp>
+    </p:spTree>
+    <p:extLst>
+      <p:ext uri="{BB962C8B-B14F-4D97-AF65-F5344CB8AC3E}">
+        <p14:creationId xmlns:p14="http://schemas.microsoft.com/office/powerpoint/2010/main" val="2086924029"/>
+      </p:ext>
+    </p:extLst>
+  </p:cSld>
+  <p:clrMapOvr>
+    <a:masterClrMapping/>
+  </p:clrMapOvr>
+</p:sld>
+</file>
+
+<file path=ppt/slides/slide24.xml><?xml version="1.0" encoding="utf-8"?>
 <p:sld xmlns:a="http://schemas.openxmlformats.org/drawingml/2006/main" xmlns:r="http://schemas.openxmlformats.org/officeDocument/2006/relationships" xmlns:p="http://schemas.openxmlformats.org/presentationml/2006/main">
   <p:cSld>
     <p:spTree>

--- a/Craftdemo.pptx
+++ b/Craftdemo.pptx
@@ -8552,6 +8552,16 @@
               <a:rPr lang="en-US" dirty="0" smtClean="0"/>
               <a:t>Centos </a:t>
             </a:r>
+          </a:p>
+          <a:p>
+            <a:r>
+              <a:rPr lang="en-US" dirty="0" smtClean="0"/>
+              <a:t>Neo4j  </a:t>
+            </a:r>
+            <a:r>
+              <a:rPr lang="en-US" smtClean="0"/>
+              <a:t>3.3.2 database </a:t>
+            </a:r>
             <a:endParaRPr lang="en-US" dirty="0"/>
           </a:p>
         </p:txBody>
